--- a/lectures/lecture-21/Lecture-Live A00/Lecture 21 - Lecture.pptx
+++ b/lectures/lecture-21/Lecture-Live A00/Lecture 21 - Lecture.pptx
@@ -835,7 +835,7 @@
           <a:p>
             <a:fld id="{3A2BF66F-FEB0-48C1-A8B9-A73F54BB1A08}" type="datetimeFigureOut">
               <a:rPr lang="en-US" smtClean="0"/>
-              <a:t>5/13/2021</a:t>
+              <a:t>5/14/2021</a:t>
             </a:fld>
             <a:endParaRPr lang="en-US" dirty="0"/>
           </a:p>
@@ -1043,7 +1043,7 @@
           <a:p>
             <a:fld id="{3A2BF66F-FEB0-48C1-A8B9-A73F54BB1A08}" type="datetimeFigureOut">
               <a:rPr lang="en-US" smtClean="0"/>
-              <a:t>5/13/2021</a:t>
+              <a:t>5/14/2021</a:t>
             </a:fld>
             <a:endParaRPr lang="en-US" dirty="0"/>
           </a:p>
@@ -1261,7 +1261,7 @@
           <a:p>
             <a:fld id="{3A2BF66F-FEB0-48C1-A8B9-A73F54BB1A08}" type="datetimeFigureOut">
               <a:rPr lang="en-US" smtClean="0"/>
-              <a:t>5/13/2021</a:t>
+              <a:t>5/14/2021</a:t>
             </a:fld>
             <a:endParaRPr lang="en-US" dirty="0"/>
           </a:p>
@@ -1469,7 +1469,7 @@
           <a:p>
             <a:fld id="{3A2BF66F-FEB0-48C1-A8B9-A73F54BB1A08}" type="datetimeFigureOut">
               <a:rPr lang="en-US" smtClean="0"/>
-              <a:t>5/13/2021</a:t>
+              <a:t>5/14/2021</a:t>
             </a:fld>
             <a:endParaRPr lang="en-US" dirty="0"/>
           </a:p>
@@ -1754,7 +1754,7 @@
           <a:p>
             <a:fld id="{3A2BF66F-FEB0-48C1-A8B9-A73F54BB1A08}" type="datetimeFigureOut">
               <a:rPr lang="en-US" smtClean="0"/>
-              <a:t>5/13/2021</a:t>
+              <a:t>5/14/2021</a:t>
             </a:fld>
             <a:endParaRPr lang="en-US" dirty="0"/>
           </a:p>
@@ -2029,7 +2029,7 @@
           <a:p>
             <a:fld id="{3A2BF66F-FEB0-48C1-A8B9-A73F54BB1A08}" type="datetimeFigureOut">
               <a:rPr lang="en-US" smtClean="0"/>
-              <a:t>5/13/2021</a:t>
+              <a:t>5/14/2021</a:t>
             </a:fld>
             <a:endParaRPr lang="en-US" dirty="0"/>
           </a:p>
@@ -2451,7 +2451,7 @@
           <a:p>
             <a:fld id="{3A2BF66F-FEB0-48C1-A8B9-A73F54BB1A08}" type="datetimeFigureOut">
               <a:rPr lang="en-US" smtClean="0"/>
-              <a:t>5/13/2021</a:t>
+              <a:t>5/14/2021</a:t>
             </a:fld>
             <a:endParaRPr lang="en-US" dirty="0"/>
           </a:p>
@@ -2602,7 +2602,7 @@
           <a:p>
             <a:fld id="{3A2BF66F-FEB0-48C1-A8B9-A73F54BB1A08}" type="datetimeFigureOut">
               <a:rPr lang="en-US" smtClean="0"/>
-              <a:t>5/13/2021</a:t>
+              <a:t>5/14/2021</a:t>
             </a:fld>
             <a:endParaRPr lang="en-US" dirty="0"/>
           </a:p>
@@ -2725,7 +2725,7 @@
           <a:p>
             <a:fld id="{3A2BF66F-FEB0-48C1-A8B9-A73F54BB1A08}" type="datetimeFigureOut">
               <a:rPr lang="en-US" smtClean="0"/>
-              <a:t>5/13/2021</a:t>
+              <a:t>5/14/2021</a:t>
             </a:fld>
             <a:endParaRPr lang="en-US" dirty="0"/>
           </a:p>
@@ -3045,7 +3045,7 @@
           <a:p>
             <a:fld id="{3A2BF66F-FEB0-48C1-A8B9-A73F54BB1A08}" type="datetimeFigureOut">
               <a:rPr lang="en-US" smtClean="0"/>
-              <a:t>5/13/2021</a:t>
+              <a:t>5/14/2021</a:t>
             </a:fld>
             <a:endParaRPr lang="en-US" dirty="0"/>
           </a:p>
@@ -3343,7 +3343,7 @@
           <a:p>
             <a:fld id="{3A2BF66F-FEB0-48C1-A8B9-A73F54BB1A08}" type="datetimeFigureOut">
               <a:rPr lang="en-US" smtClean="0"/>
-              <a:t>5/13/2021</a:t>
+              <a:t>5/14/2021</a:t>
             </a:fld>
             <a:endParaRPr lang="en-US" dirty="0"/>
           </a:p>
@@ -3594,7 +3594,7 @@
           <a:p>
             <a:fld id="{3A2BF66F-FEB0-48C1-A8B9-A73F54BB1A08}" type="datetimeFigureOut">
               <a:rPr lang="en-US" smtClean="0"/>
-              <a:t>5/13/2021</a:t>
+              <a:t>5/14/2021</a:t>
             </a:fld>
             <a:endParaRPr lang="en-US" dirty="0"/>
           </a:p>
@@ -4251,7 +4251,7 @@
             </a:r>
             <a:r>
               <a:rPr lang="en-US" dirty="0"/>
-              <a:t> due Friday @ </a:t>
+              <a:t> due Wednesday @ </a:t>
             </a:r>
             <a:r>
               <a:rPr lang="en-US" dirty="0" err="1"/>
